--- a/static/activities/01_model-sets.ppt.pptx
+++ b/static/activities/01_model-sets.ppt.pptx
@@ -106,6 +106,22 @@
       </a:defRPr>
     </a:lvl9pPr>
   </p:defaultTextStyle>
+  <p:extLst>
+    <p:ext uri="{EFAFB233-063F-42B5-8137-9DF3F51BA10A}">
+      <p15:sldGuideLst xmlns:p15="http://schemas.microsoft.com/office/powerpoint/2012/main">
+        <p15:guide id="1" orient="horz" pos="2880">
+          <p15:clr>
+            <a:srgbClr val="A4A3A4"/>
+          </p15:clr>
+        </p15:guide>
+        <p15:guide id="2" pos="2160">
+          <p15:clr>
+            <a:srgbClr val="A4A3A4"/>
+          </p15:clr>
+        </p15:guide>
+      </p15:sldGuideLst>
+    </p:ext>
+  </p:extLst>
 </p:presentation>
 </file>
 
@@ -147,10 +163,9 @@
           <a:lstStyle/>
           <a:p>
             <a:r>
-              <a:rPr lang="en-US" smtClean="0"/>
+              <a:rPr lang="en-US"/>
               <a:t>Click to edit Master title style</a:t>
             </a:r>
-            <a:endParaRPr lang="en-US"/>
           </a:p>
         </p:txBody>
       </p:sp>
@@ -266,10 +281,9 @@
           </a:lstStyle>
           <a:p>
             <a:r>
-              <a:rPr lang="en-US" smtClean="0"/>
+              <a:rPr lang="en-US"/>
               <a:t>Click to edit Master subtitle style</a:t>
             </a:r>
-            <a:endParaRPr lang="en-US"/>
           </a:p>
         </p:txBody>
       </p:sp>
@@ -290,7 +304,7 @@
           <a:p>
             <a:fld id="{0D9B7FCF-2377-45D4-A749-8726BAAEE0AB}" type="datetimeFigureOut">
               <a:rPr lang="en-US" smtClean="0"/>
-              <a:t>9/6/2018</a:t>
+              <a:t>9/14/2018</a:t>
             </a:fld>
             <a:endParaRPr lang="en-US"/>
           </a:p>
@@ -384,10 +398,9 @@
           <a:lstStyle/>
           <a:p>
             <a:r>
-              <a:rPr lang="en-US" smtClean="0"/>
+              <a:rPr lang="en-US"/>
               <a:t>Click to edit Master title style</a:t>
             </a:r>
-            <a:endParaRPr lang="en-US"/>
           </a:p>
         </p:txBody>
       </p:sp>
@@ -408,38 +421,37 @@
           <a:p>
             <a:pPr lvl="0"/>
             <a:r>
-              <a:rPr lang="en-US" smtClean="0"/>
+              <a:rPr lang="en-US"/>
               <a:t>Click to edit Master text styles</a:t>
             </a:r>
           </a:p>
           <a:p>
             <a:pPr lvl="1"/>
             <a:r>
-              <a:rPr lang="en-US" smtClean="0"/>
+              <a:rPr lang="en-US"/>
               <a:t>Second level</a:t>
             </a:r>
           </a:p>
           <a:p>
             <a:pPr lvl="2"/>
             <a:r>
-              <a:rPr lang="en-US" smtClean="0"/>
+              <a:rPr lang="en-US"/>
               <a:t>Third level</a:t>
             </a:r>
           </a:p>
           <a:p>
             <a:pPr lvl="3"/>
             <a:r>
-              <a:rPr lang="en-US" smtClean="0"/>
+              <a:rPr lang="en-US"/>
               <a:t>Fourth level</a:t>
             </a:r>
           </a:p>
           <a:p>
             <a:pPr lvl="4"/>
             <a:r>
-              <a:rPr lang="en-US" smtClean="0"/>
+              <a:rPr lang="en-US"/>
               <a:t>Fifth level</a:t>
             </a:r>
-            <a:endParaRPr lang="en-US"/>
           </a:p>
         </p:txBody>
       </p:sp>
@@ -460,7 +472,7 @@
           <a:p>
             <a:fld id="{0D9B7FCF-2377-45D4-A749-8726BAAEE0AB}" type="datetimeFigureOut">
               <a:rPr lang="en-US" smtClean="0"/>
-              <a:t>9/6/2018</a:t>
+              <a:t>9/14/2018</a:t>
             </a:fld>
             <a:endParaRPr lang="en-US"/>
           </a:p>
@@ -559,10 +571,9 @@
           <a:lstStyle/>
           <a:p>
             <a:r>
-              <a:rPr lang="en-US" smtClean="0"/>
+              <a:rPr lang="en-US"/>
               <a:t>Click to edit Master title style</a:t>
             </a:r>
-            <a:endParaRPr lang="en-US"/>
           </a:p>
         </p:txBody>
       </p:sp>
@@ -588,38 +599,37 @@
           <a:p>
             <a:pPr lvl="0"/>
             <a:r>
-              <a:rPr lang="en-US" smtClean="0"/>
+              <a:rPr lang="en-US"/>
               <a:t>Click to edit Master text styles</a:t>
             </a:r>
           </a:p>
           <a:p>
             <a:pPr lvl="1"/>
             <a:r>
-              <a:rPr lang="en-US" smtClean="0"/>
+              <a:rPr lang="en-US"/>
               <a:t>Second level</a:t>
             </a:r>
           </a:p>
           <a:p>
             <a:pPr lvl="2"/>
             <a:r>
-              <a:rPr lang="en-US" smtClean="0"/>
+              <a:rPr lang="en-US"/>
               <a:t>Third level</a:t>
             </a:r>
           </a:p>
           <a:p>
             <a:pPr lvl="3"/>
             <a:r>
-              <a:rPr lang="en-US" smtClean="0"/>
+              <a:rPr lang="en-US"/>
               <a:t>Fourth level</a:t>
             </a:r>
           </a:p>
           <a:p>
             <a:pPr lvl="4"/>
             <a:r>
-              <a:rPr lang="en-US" smtClean="0"/>
+              <a:rPr lang="en-US"/>
               <a:t>Fifth level</a:t>
             </a:r>
-            <a:endParaRPr lang="en-US"/>
           </a:p>
         </p:txBody>
       </p:sp>
@@ -640,7 +650,7 @@
           <a:p>
             <a:fld id="{0D9B7FCF-2377-45D4-A749-8726BAAEE0AB}" type="datetimeFigureOut">
               <a:rPr lang="en-US" smtClean="0"/>
-              <a:t>9/6/2018</a:t>
+              <a:t>9/14/2018</a:t>
             </a:fld>
             <a:endParaRPr lang="en-US"/>
           </a:p>
@@ -734,10 +744,9 @@
           <a:lstStyle/>
           <a:p>
             <a:r>
-              <a:rPr lang="en-US" smtClean="0"/>
+              <a:rPr lang="en-US"/>
               <a:t>Click to edit Master title style</a:t>
             </a:r>
-            <a:endParaRPr lang="en-US"/>
           </a:p>
         </p:txBody>
       </p:sp>
@@ -758,38 +767,37 @@
           <a:p>
             <a:pPr lvl="0"/>
             <a:r>
-              <a:rPr lang="en-US" smtClean="0"/>
+              <a:rPr lang="en-US"/>
               <a:t>Click to edit Master text styles</a:t>
             </a:r>
           </a:p>
           <a:p>
             <a:pPr lvl="1"/>
             <a:r>
-              <a:rPr lang="en-US" smtClean="0"/>
+              <a:rPr lang="en-US"/>
               <a:t>Second level</a:t>
             </a:r>
           </a:p>
           <a:p>
             <a:pPr lvl="2"/>
             <a:r>
-              <a:rPr lang="en-US" smtClean="0"/>
+              <a:rPr lang="en-US"/>
               <a:t>Third level</a:t>
             </a:r>
           </a:p>
           <a:p>
             <a:pPr lvl="3"/>
             <a:r>
-              <a:rPr lang="en-US" smtClean="0"/>
+              <a:rPr lang="en-US"/>
               <a:t>Fourth level</a:t>
             </a:r>
           </a:p>
           <a:p>
             <a:pPr lvl="4"/>
             <a:r>
-              <a:rPr lang="en-US" smtClean="0"/>
+              <a:rPr lang="en-US"/>
               <a:t>Fifth level</a:t>
             </a:r>
-            <a:endParaRPr lang="en-US"/>
           </a:p>
         </p:txBody>
       </p:sp>
@@ -810,7 +818,7 @@
           <a:p>
             <a:fld id="{0D9B7FCF-2377-45D4-A749-8726BAAEE0AB}" type="datetimeFigureOut">
               <a:rPr lang="en-US" smtClean="0"/>
-              <a:t>9/6/2018</a:t>
+              <a:t>9/14/2018</a:t>
             </a:fld>
             <a:endParaRPr lang="en-US"/>
           </a:p>
@@ -913,10 +921,9 @@
           </a:lstStyle>
           <a:p>
             <a:r>
-              <a:rPr lang="en-US" smtClean="0"/>
+              <a:rPr lang="en-US"/>
               <a:t>Click to edit Master title style</a:t>
             </a:r>
-            <a:endParaRPr lang="en-US"/>
           </a:p>
         </p:txBody>
       </p:sp>
@@ -1033,7 +1040,7 @@
           <a:p>
             <a:pPr lvl="0"/>
             <a:r>
-              <a:rPr lang="en-US" smtClean="0"/>
+              <a:rPr lang="en-US"/>
               <a:t>Click to edit Master text styles</a:t>
             </a:r>
           </a:p>
@@ -1056,7 +1063,7 @@
           <a:p>
             <a:fld id="{0D9B7FCF-2377-45D4-A749-8726BAAEE0AB}" type="datetimeFigureOut">
               <a:rPr lang="en-US" smtClean="0"/>
-              <a:t>9/6/2018</a:t>
+              <a:t>9/14/2018</a:t>
             </a:fld>
             <a:endParaRPr lang="en-US"/>
           </a:p>
@@ -1150,10 +1157,9 @@
           <a:lstStyle/>
           <a:p>
             <a:r>
-              <a:rPr lang="en-US" smtClean="0"/>
+              <a:rPr lang="en-US"/>
               <a:t>Click to edit Master title style</a:t>
             </a:r>
-            <a:endParaRPr lang="en-US"/>
           </a:p>
         </p:txBody>
       </p:sp>
@@ -1207,38 +1213,37 @@
           <a:p>
             <a:pPr lvl="0"/>
             <a:r>
-              <a:rPr lang="en-US" smtClean="0"/>
+              <a:rPr lang="en-US"/>
               <a:t>Click to edit Master text styles</a:t>
             </a:r>
           </a:p>
           <a:p>
             <a:pPr lvl="1"/>
             <a:r>
-              <a:rPr lang="en-US" smtClean="0"/>
+              <a:rPr lang="en-US"/>
               <a:t>Second level</a:t>
             </a:r>
           </a:p>
           <a:p>
             <a:pPr lvl="2"/>
             <a:r>
-              <a:rPr lang="en-US" smtClean="0"/>
+              <a:rPr lang="en-US"/>
               <a:t>Third level</a:t>
             </a:r>
           </a:p>
           <a:p>
             <a:pPr lvl="3"/>
             <a:r>
-              <a:rPr lang="en-US" smtClean="0"/>
+              <a:rPr lang="en-US"/>
               <a:t>Fourth level</a:t>
             </a:r>
           </a:p>
           <a:p>
             <a:pPr lvl="4"/>
             <a:r>
-              <a:rPr lang="en-US" smtClean="0"/>
+              <a:rPr lang="en-US"/>
               <a:t>Fifth level</a:t>
             </a:r>
-            <a:endParaRPr lang="en-US"/>
           </a:p>
         </p:txBody>
       </p:sp>
@@ -1292,38 +1297,37 @@
           <a:p>
             <a:pPr lvl="0"/>
             <a:r>
-              <a:rPr lang="en-US" smtClean="0"/>
+              <a:rPr lang="en-US"/>
               <a:t>Click to edit Master text styles</a:t>
             </a:r>
           </a:p>
           <a:p>
             <a:pPr lvl="1"/>
             <a:r>
-              <a:rPr lang="en-US" smtClean="0"/>
+              <a:rPr lang="en-US"/>
               <a:t>Second level</a:t>
             </a:r>
           </a:p>
           <a:p>
             <a:pPr lvl="2"/>
             <a:r>
-              <a:rPr lang="en-US" smtClean="0"/>
+              <a:rPr lang="en-US"/>
               <a:t>Third level</a:t>
             </a:r>
           </a:p>
           <a:p>
             <a:pPr lvl="3"/>
             <a:r>
-              <a:rPr lang="en-US" smtClean="0"/>
+              <a:rPr lang="en-US"/>
               <a:t>Fourth level</a:t>
             </a:r>
           </a:p>
           <a:p>
             <a:pPr lvl="4"/>
             <a:r>
-              <a:rPr lang="en-US" smtClean="0"/>
+              <a:rPr lang="en-US"/>
               <a:t>Fifth level</a:t>
             </a:r>
-            <a:endParaRPr lang="en-US"/>
           </a:p>
         </p:txBody>
       </p:sp>
@@ -1344,7 +1348,7 @@
           <a:p>
             <a:fld id="{0D9B7FCF-2377-45D4-A749-8726BAAEE0AB}" type="datetimeFigureOut">
               <a:rPr lang="en-US" smtClean="0"/>
-              <a:t>9/6/2018</a:t>
+              <a:t>9/14/2018</a:t>
             </a:fld>
             <a:endParaRPr lang="en-US"/>
           </a:p>
@@ -1442,10 +1446,9 @@
           </a:lstStyle>
           <a:p>
             <a:r>
-              <a:rPr lang="en-US" smtClean="0"/>
+              <a:rPr lang="en-US"/>
               <a:t>Click to edit Master title style</a:t>
             </a:r>
-            <a:endParaRPr lang="en-US"/>
           </a:p>
         </p:txBody>
       </p:sp>
@@ -1508,7 +1511,7 @@
           <a:p>
             <a:pPr lvl="0"/>
             <a:r>
-              <a:rPr lang="en-US" smtClean="0"/>
+              <a:rPr lang="en-US"/>
               <a:t>Click to edit Master text styles</a:t>
             </a:r>
           </a:p>
@@ -1564,38 +1567,37 @@
           <a:p>
             <a:pPr lvl="0"/>
             <a:r>
-              <a:rPr lang="en-US" smtClean="0"/>
+              <a:rPr lang="en-US"/>
               <a:t>Click to edit Master text styles</a:t>
             </a:r>
           </a:p>
           <a:p>
             <a:pPr lvl="1"/>
             <a:r>
-              <a:rPr lang="en-US" smtClean="0"/>
+              <a:rPr lang="en-US"/>
               <a:t>Second level</a:t>
             </a:r>
           </a:p>
           <a:p>
             <a:pPr lvl="2"/>
             <a:r>
-              <a:rPr lang="en-US" smtClean="0"/>
+              <a:rPr lang="en-US"/>
               <a:t>Third level</a:t>
             </a:r>
           </a:p>
           <a:p>
             <a:pPr lvl="3"/>
             <a:r>
-              <a:rPr lang="en-US" smtClean="0"/>
+              <a:rPr lang="en-US"/>
               <a:t>Fourth level</a:t>
             </a:r>
           </a:p>
           <a:p>
             <a:pPr lvl="4"/>
             <a:r>
-              <a:rPr lang="en-US" smtClean="0"/>
+              <a:rPr lang="en-US"/>
               <a:t>Fifth level</a:t>
             </a:r>
-            <a:endParaRPr lang="en-US"/>
           </a:p>
         </p:txBody>
       </p:sp>
@@ -1658,7 +1660,7 @@
           <a:p>
             <a:pPr lvl="0"/>
             <a:r>
-              <a:rPr lang="en-US" smtClean="0"/>
+              <a:rPr lang="en-US"/>
               <a:t>Click to edit Master text styles</a:t>
             </a:r>
           </a:p>
@@ -1714,38 +1716,37 @@
           <a:p>
             <a:pPr lvl="0"/>
             <a:r>
-              <a:rPr lang="en-US" smtClean="0"/>
+              <a:rPr lang="en-US"/>
               <a:t>Click to edit Master text styles</a:t>
             </a:r>
           </a:p>
           <a:p>
             <a:pPr lvl="1"/>
             <a:r>
-              <a:rPr lang="en-US" smtClean="0"/>
+              <a:rPr lang="en-US"/>
               <a:t>Second level</a:t>
             </a:r>
           </a:p>
           <a:p>
             <a:pPr lvl="2"/>
             <a:r>
-              <a:rPr lang="en-US" smtClean="0"/>
+              <a:rPr lang="en-US"/>
               <a:t>Third level</a:t>
             </a:r>
           </a:p>
           <a:p>
             <a:pPr lvl="3"/>
             <a:r>
-              <a:rPr lang="en-US" smtClean="0"/>
+              <a:rPr lang="en-US"/>
               <a:t>Fourth level</a:t>
             </a:r>
           </a:p>
           <a:p>
             <a:pPr lvl="4"/>
             <a:r>
-              <a:rPr lang="en-US" smtClean="0"/>
+              <a:rPr lang="en-US"/>
               <a:t>Fifth level</a:t>
             </a:r>
-            <a:endParaRPr lang="en-US"/>
           </a:p>
         </p:txBody>
       </p:sp>
@@ -1766,7 +1767,7 @@
           <a:p>
             <a:fld id="{0D9B7FCF-2377-45D4-A749-8726BAAEE0AB}" type="datetimeFigureOut">
               <a:rPr lang="en-US" smtClean="0"/>
-              <a:t>9/6/2018</a:t>
+              <a:t>9/14/2018</a:t>
             </a:fld>
             <a:endParaRPr lang="en-US"/>
           </a:p>
@@ -1860,10 +1861,9 @@
           <a:lstStyle/>
           <a:p>
             <a:r>
-              <a:rPr lang="en-US" smtClean="0"/>
+              <a:rPr lang="en-US"/>
               <a:t>Click to edit Master title style</a:t>
             </a:r>
-            <a:endParaRPr lang="en-US"/>
           </a:p>
         </p:txBody>
       </p:sp>
@@ -1884,7 +1884,7 @@
           <a:p>
             <a:fld id="{0D9B7FCF-2377-45D4-A749-8726BAAEE0AB}" type="datetimeFigureOut">
               <a:rPr lang="en-US" smtClean="0"/>
-              <a:t>9/6/2018</a:t>
+              <a:t>9/14/2018</a:t>
             </a:fld>
             <a:endParaRPr lang="en-US"/>
           </a:p>
@@ -1979,7 +1979,7 @@
           <a:p>
             <a:fld id="{0D9B7FCF-2377-45D4-A749-8726BAAEE0AB}" type="datetimeFigureOut">
               <a:rPr lang="en-US" smtClean="0"/>
-              <a:t>9/6/2018</a:t>
+              <a:t>9/14/2018</a:t>
             </a:fld>
             <a:endParaRPr lang="en-US"/>
           </a:p>
@@ -2082,10 +2082,9 @@
           </a:lstStyle>
           <a:p>
             <a:r>
-              <a:rPr lang="en-US" smtClean="0"/>
+              <a:rPr lang="en-US"/>
               <a:t>Click to edit Master title style</a:t>
             </a:r>
-            <a:endParaRPr lang="en-US"/>
           </a:p>
         </p:txBody>
       </p:sp>
@@ -2139,38 +2138,37 @@
           <a:p>
             <a:pPr lvl="0"/>
             <a:r>
-              <a:rPr lang="en-US" smtClean="0"/>
+              <a:rPr lang="en-US"/>
               <a:t>Click to edit Master text styles</a:t>
             </a:r>
           </a:p>
           <a:p>
             <a:pPr lvl="1"/>
             <a:r>
-              <a:rPr lang="en-US" smtClean="0"/>
+              <a:rPr lang="en-US"/>
               <a:t>Second level</a:t>
             </a:r>
           </a:p>
           <a:p>
             <a:pPr lvl="2"/>
             <a:r>
-              <a:rPr lang="en-US" smtClean="0"/>
+              <a:rPr lang="en-US"/>
               <a:t>Third level</a:t>
             </a:r>
           </a:p>
           <a:p>
             <a:pPr lvl="3"/>
             <a:r>
-              <a:rPr lang="en-US" smtClean="0"/>
+              <a:rPr lang="en-US"/>
               <a:t>Fourth level</a:t>
             </a:r>
           </a:p>
           <a:p>
             <a:pPr lvl="4"/>
             <a:r>
-              <a:rPr lang="en-US" smtClean="0"/>
+              <a:rPr lang="en-US"/>
               <a:t>Fifth level</a:t>
             </a:r>
-            <a:endParaRPr lang="en-US"/>
           </a:p>
         </p:txBody>
       </p:sp>
@@ -2233,7 +2231,7 @@
           <a:p>
             <a:pPr lvl="0"/>
             <a:r>
-              <a:rPr lang="en-US" smtClean="0"/>
+              <a:rPr lang="en-US"/>
               <a:t>Click to edit Master text styles</a:t>
             </a:r>
           </a:p>
@@ -2256,7 +2254,7 @@
           <a:p>
             <a:fld id="{0D9B7FCF-2377-45D4-A749-8726BAAEE0AB}" type="datetimeFigureOut">
               <a:rPr lang="en-US" smtClean="0"/>
-              <a:t>9/6/2018</a:t>
+              <a:t>9/14/2018</a:t>
             </a:fld>
             <a:endParaRPr lang="en-US"/>
           </a:p>
@@ -2359,10 +2357,9 @@
           </a:lstStyle>
           <a:p>
             <a:r>
-              <a:rPr lang="en-US" smtClean="0"/>
+              <a:rPr lang="en-US"/>
               <a:t>Click to edit Master title style</a:t>
             </a:r>
-            <a:endParaRPr lang="en-US"/>
           </a:p>
         </p:txBody>
       </p:sp>
@@ -2486,7 +2483,7 @@
           <a:p>
             <a:pPr lvl="0"/>
             <a:r>
-              <a:rPr lang="en-US" smtClean="0"/>
+              <a:rPr lang="en-US"/>
               <a:t>Click to edit Master text styles</a:t>
             </a:r>
           </a:p>
@@ -2509,7 +2506,7 @@
           <a:p>
             <a:fld id="{0D9B7FCF-2377-45D4-A749-8726BAAEE0AB}" type="datetimeFigureOut">
               <a:rPr lang="en-US" smtClean="0"/>
-              <a:t>9/6/2018</a:t>
+              <a:t>9/14/2018</a:t>
             </a:fld>
             <a:endParaRPr lang="en-US"/>
           </a:p>
@@ -2618,10 +2615,9 @@
           <a:lstStyle/>
           <a:p>
             <a:r>
-              <a:rPr lang="en-US" smtClean="0"/>
+              <a:rPr lang="en-US"/>
               <a:t>Click to edit Master title style</a:t>
             </a:r>
-            <a:endParaRPr lang="en-US"/>
           </a:p>
         </p:txBody>
       </p:sp>
@@ -2652,38 +2648,37 @@
           <a:p>
             <a:pPr lvl="0"/>
             <a:r>
-              <a:rPr lang="en-US" smtClean="0"/>
+              <a:rPr lang="en-US"/>
               <a:t>Click to edit Master text styles</a:t>
             </a:r>
           </a:p>
           <a:p>
             <a:pPr lvl="1"/>
             <a:r>
-              <a:rPr lang="en-US" smtClean="0"/>
+              <a:rPr lang="en-US"/>
               <a:t>Second level</a:t>
             </a:r>
           </a:p>
           <a:p>
             <a:pPr lvl="2"/>
             <a:r>
-              <a:rPr lang="en-US" smtClean="0"/>
+              <a:rPr lang="en-US"/>
               <a:t>Third level</a:t>
             </a:r>
           </a:p>
           <a:p>
             <a:pPr lvl="3"/>
             <a:r>
-              <a:rPr lang="en-US" smtClean="0"/>
+              <a:rPr lang="en-US"/>
               <a:t>Fourth level</a:t>
             </a:r>
           </a:p>
           <a:p>
             <a:pPr lvl="4"/>
             <a:r>
-              <a:rPr lang="en-US" smtClean="0"/>
+              <a:rPr lang="en-US"/>
               <a:t>Fifth level</a:t>
             </a:r>
-            <a:endParaRPr lang="en-US"/>
           </a:p>
         </p:txBody>
       </p:sp>
@@ -2722,7 +2717,7 @@
           <a:p>
             <a:fld id="{0D9B7FCF-2377-45D4-A749-8726BAAEE0AB}" type="datetimeFigureOut">
               <a:rPr lang="en-US" smtClean="0"/>
-              <a:t>9/6/2018</a:t>
+              <a:t>9/14/2018</a:t>
             </a:fld>
             <a:endParaRPr lang="en-US"/>
           </a:p>
@@ -3097,965 +3092,941 @@
           <a:chExt cx="0" cy="0"/>
         </a:xfrm>
       </p:grpSpPr>
-      <p:sp>
-        <p:nvSpPr>
-          <p:cNvPr id="7" name="Rectangle 6"/>
-          <p:cNvSpPr/>
+      <p:grpSp>
+        <p:nvGrpSpPr>
+          <p:cNvPr id="2" name="Group 1">
+            <a:extLst>
+              <a:ext uri="{FF2B5EF4-FFF2-40B4-BE49-F238E27FC236}">
+                <a16:creationId xmlns:a16="http://schemas.microsoft.com/office/drawing/2014/main" id="{21456DDE-C188-41FC-B1FB-3BA3FAC15808}"/>
+              </a:ext>
+            </a:extLst>
+          </p:cNvPr>
+          <p:cNvGrpSpPr/>
           <p:nvPr/>
-        </p:nvSpPr>
-        <p:spPr>
+        </p:nvGrpSpPr>
+        <p:grpSpPr>
           <a:xfrm>
-            <a:off x="745174" y="441130"/>
-            <a:ext cx="1088818" cy="360783"/>
+            <a:off x="533400" y="343930"/>
+            <a:ext cx="5898571" cy="2884746"/>
+            <a:chOff x="533400" y="381000"/>
+            <a:chExt cx="5898571" cy="2884746"/>
           </a:xfrm>
-          <a:prstGeom prst="rect">
-            <a:avLst/>
-          </a:prstGeom>
-          <a:noFill/>
-          <a:ln>
+        </p:grpSpPr>
+        <p:sp>
+          <p:nvSpPr>
+            <p:cNvPr id="7" name="Rectangle 6"/>
+            <p:cNvSpPr/>
+            <p:nvPr/>
+          </p:nvSpPr>
+          <p:spPr>
+            <a:xfrm>
+              <a:off x="745174" y="441130"/>
+              <a:ext cx="1088818" cy="360783"/>
+            </a:xfrm>
+            <a:prstGeom prst="rect">
+              <a:avLst/>
+            </a:prstGeom>
+            <a:noFill/>
+            <a:ln>
+              <a:solidFill>
+                <a:srgbClr val="00B050"/>
+              </a:solidFill>
+            </a:ln>
+          </p:spPr>
+          <p:style>
+            <a:lnRef idx="2">
+              <a:schemeClr val="accent1">
+                <a:shade val="50000"/>
+              </a:schemeClr>
+            </a:lnRef>
+            <a:fillRef idx="1">
+              <a:schemeClr val="accent1"/>
+            </a:fillRef>
+            <a:effectRef idx="0">
+              <a:schemeClr val="accent1"/>
+            </a:effectRef>
+            <a:fontRef idx="minor">
+              <a:schemeClr val="lt1"/>
+            </a:fontRef>
+          </p:style>
+          <p:txBody>
+            <a:bodyPr rtlCol="0" anchor="ctr"/>
+            <a:lstStyle/>
+            <a:p>
+              <a:pPr algn="ctr"/>
+              <a:r>
+                <a:rPr lang="en-US" sz="1200" dirty="0">
+                  <a:solidFill>
+                    <a:schemeClr val="tx1"/>
+                  </a:solidFill>
+                </a:rPr>
+                <a:t>Dune beetles</a:t>
+              </a:r>
+            </a:p>
+          </p:txBody>
+        </p:sp>
+        <p:sp>
+          <p:nvSpPr>
+            <p:cNvPr id="10" name="Oval 9"/>
+            <p:cNvSpPr/>
+            <p:nvPr/>
+          </p:nvSpPr>
+          <p:spPr>
+            <a:xfrm>
+              <a:off x="2800089" y="1386394"/>
+              <a:ext cx="1209798" cy="360783"/>
+            </a:xfrm>
+            <a:prstGeom prst="ellipse">
+              <a:avLst/>
+            </a:prstGeom>
             <a:solidFill>
-              <a:srgbClr val="00B050"/>
+              <a:schemeClr val="bg1"/>
             </a:solidFill>
-          </a:ln>
-        </p:spPr>
-        <p:style>
-          <a:lnRef idx="2">
-            <a:schemeClr val="accent1">
-              <a:shade val="50000"/>
-            </a:schemeClr>
-          </a:lnRef>
-          <a:fillRef idx="1">
-            <a:schemeClr val="accent1"/>
-          </a:fillRef>
-          <a:effectRef idx="0">
-            <a:schemeClr val="accent1"/>
-          </a:effectRef>
-          <a:fontRef idx="minor">
-            <a:schemeClr val="lt1"/>
-          </a:fontRef>
-        </p:style>
-        <p:txBody>
-          <a:bodyPr rtlCol="0" anchor="ctr"/>
-          <a:lstStyle/>
-          <a:p>
-            <a:pPr algn="ctr"/>
-            <a:r>
-              <a:rPr lang="en-US" sz="1200" dirty="0" smtClean="0">
+            <a:ln>
+              <a:solidFill>
+                <a:schemeClr val="tx1"/>
+              </a:solidFill>
+            </a:ln>
+          </p:spPr>
+          <p:style>
+            <a:lnRef idx="2">
+              <a:schemeClr val="accent1">
+                <a:shade val="50000"/>
+              </a:schemeClr>
+            </a:lnRef>
+            <a:fillRef idx="1">
+              <a:schemeClr val="accent1"/>
+            </a:fillRef>
+            <a:effectRef idx="0">
+              <a:schemeClr val="accent1"/>
+            </a:effectRef>
+            <a:fontRef idx="minor">
+              <a:schemeClr val="lt1"/>
+            </a:fontRef>
+          </p:style>
+          <p:txBody>
+            <a:bodyPr rtlCol="0" anchor="ctr"/>
+            <a:lstStyle/>
+            <a:p>
+              <a:pPr algn="ctr"/>
+              <a:r>
+                <a:rPr lang="en-US" sz="1200" b="1" dirty="0">
+                  <a:solidFill>
+                    <a:schemeClr val="tx1"/>
+                  </a:solidFill>
+                </a:rPr>
+                <a:t>Breeding</a:t>
+              </a:r>
+            </a:p>
+          </p:txBody>
+        </p:sp>
+        <p:sp>
+          <p:nvSpPr>
+            <p:cNvPr id="11" name="Oval 10"/>
+            <p:cNvSpPr/>
+            <p:nvPr/>
+          </p:nvSpPr>
+          <p:spPr>
+            <a:xfrm>
+              <a:off x="2800089" y="2088236"/>
+              <a:ext cx="1209798" cy="360783"/>
+            </a:xfrm>
+            <a:prstGeom prst="ellipse">
+              <a:avLst/>
+            </a:prstGeom>
+            <a:solidFill>
+              <a:schemeClr val="bg1"/>
+            </a:solidFill>
+            <a:ln>
+              <a:solidFill>
+                <a:schemeClr val="tx1"/>
+              </a:solidFill>
+            </a:ln>
+          </p:spPr>
+          <p:style>
+            <a:lnRef idx="2">
+              <a:schemeClr val="accent1">
+                <a:shade val="50000"/>
+              </a:schemeClr>
+            </a:lnRef>
+            <a:fillRef idx="1">
+              <a:schemeClr val="accent1"/>
+            </a:fillRef>
+            <a:effectRef idx="0">
+              <a:schemeClr val="accent1"/>
+            </a:effectRef>
+            <a:fontRef idx="minor">
+              <a:schemeClr val="lt1"/>
+            </a:fontRef>
+          </p:style>
+          <p:txBody>
+            <a:bodyPr rtlCol="0" anchor="ctr"/>
+            <a:lstStyle/>
+            <a:p>
+              <a:pPr algn="ctr"/>
+              <a:r>
+                <a:rPr lang="en-US" sz="1200" b="1" dirty="0">
+                  <a:solidFill>
+                    <a:schemeClr val="tx1"/>
+                  </a:solidFill>
+                </a:rPr>
+                <a:t>Survival</a:t>
+              </a:r>
+            </a:p>
+          </p:txBody>
+        </p:sp>
+        <p:sp>
+          <p:nvSpPr>
+            <p:cNvPr id="13" name="Rectangle 12"/>
+            <p:cNvSpPr/>
+            <p:nvPr/>
+          </p:nvSpPr>
+          <p:spPr>
+            <a:xfrm>
+              <a:off x="609600" y="1190992"/>
+              <a:ext cx="1077820" cy="360783"/>
+            </a:xfrm>
+            <a:prstGeom prst="rect">
+              <a:avLst/>
+            </a:prstGeom>
+            <a:noFill/>
+            <a:ln>
+              <a:solidFill>
+                <a:srgbClr val="00B050"/>
+              </a:solidFill>
+            </a:ln>
+          </p:spPr>
+          <p:style>
+            <a:lnRef idx="2">
+              <a:schemeClr val="accent1">
+                <a:shade val="50000"/>
+              </a:schemeClr>
+            </a:lnRef>
+            <a:fillRef idx="1">
+              <a:schemeClr val="accent1"/>
+            </a:fillRef>
+            <a:effectRef idx="0">
+              <a:schemeClr val="accent1"/>
+            </a:effectRef>
+            <a:fontRef idx="minor">
+              <a:schemeClr val="lt1"/>
+            </a:fontRef>
+          </p:style>
+          <p:txBody>
+            <a:bodyPr rtlCol="0" anchor="ctr"/>
+            <a:lstStyle/>
+            <a:p>
+              <a:pPr algn="ctr"/>
+              <a:r>
+                <a:rPr lang="en-US" sz="1200" dirty="0" err="1">
+                  <a:solidFill>
+                    <a:schemeClr val="tx1"/>
+                  </a:solidFill>
+                </a:rPr>
+                <a:t>Beachgrass</a:t>
+              </a:r>
+              <a:endParaRPr lang="en-US" sz="1200" dirty="0">
                 <a:solidFill>
                   <a:schemeClr val="tx1"/>
                 </a:solidFill>
-              </a:rPr>
-              <a:t>Dune beetles</a:t>
-            </a:r>
-            <a:endParaRPr lang="en-US" sz="1200" dirty="0">
+              </a:endParaRPr>
+            </a:p>
+          </p:txBody>
+        </p:sp>
+        <p:cxnSp>
+          <p:nvCxnSpPr>
+            <p:cNvPr id="15" name="Straight Arrow Connector 14"/>
+            <p:cNvCxnSpPr>
+              <a:stCxn id="7" idx="3"/>
+              <a:endCxn id="11" idx="2"/>
+            </p:cNvCxnSpPr>
+            <p:nvPr/>
+          </p:nvCxnSpPr>
+          <p:spPr>
+            <a:xfrm>
+              <a:off x="1833992" y="621522"/>
+              <a:ext cx="966097" cy="1647106"/>
+            </a:xfrm>
+            <a:prstGeom prst="straightConnector1">
+              <a:avLst/>
+            </a:prstGeom>
+            <a:ln w="19050">
               <a:solidFill>
-                <a:schemeClr val="tx1"/>
+                <a:srgbClr val="00B050"/>
               </a:solidFill>
-            </a:endParaRPr>
-          </a:p>
-        </p:txBody>
-      </p:sp>
-      <p:sp>
-        <p:nvSpPr>
-          <p:cNvPr id="10" name="Oval 9"/>
-          <p:cNvSpPr/>
-          <p:nvPr/>
-        </p:nvSpPr>
-        <p:spPr>
-          <a:xfrm>
-            <a:off x="2800089" y="1386394"/>
-            <a:ext cx="1209798" cy="360783"/>
-          </a:xfrm>
-          <a:prstGeom prst="ellipse">
-            <a:avLst/>
-          </a:prstGeom>
-          <a:solidFill>
-            <a:schemeClr val="bg1"/>
-          </a:solidFill>
-          <a:ln>
-            <a:solidFill>
+              <a:tailEnd type="arrow"/>
+            </a:ln>
+          </p:spPr>
+          <p:style>
+            <a:lnRef idx="1">
+              <a:schemeClr val="accent1"/>
+            </a:lnRef>
+            <a:fillRef idx="0">
+              <a:schemeClr val="accent1"/>
+            </a:fillRef>
+            <a:effectRef idx="0">
+              <a:schemeClr val="accent1"/>
+            </a:effectRef>
+            <a:fontRef idx="minor">
               <a:schemeClr val="tx1"/>
-            </a:solidFill>
-          </a:ln>
-        </p:spPr>
-        <p:style>
-          <a:lnRef idx="2">
-            <a:schemeClr val="accent1">
-              <a:shade val="50000"/>
-            </a:schemeClr>
-          </a:lnRef>
-          <a:fillRef idx="1">
-            <a:schemeClr val="accent1"/>
-          </a:fillRef>
-          <a:effectRef idx="0">
-            <a:schemeClr val="accent1"/>
-          </a:effectRef>
-          <a:fontRef idx="minor">
-            <a:schemeClr val="lt1"/>
-          </a:fontRef>
-        </p:style>
-        <p:txBody>
-          <a:bodyPr rtlCol="0" anchor="ctr"/>
-          <a:lstStyle/>
-          <a:p>
-            <a:pPr algn="ctr"/>
-            <a:r>
-              <a:rPr lang="en-US" sz="1200" b="1" dirty="0" smtClean="0">
-                <a:solidFill>
-                  <a:schemeClr val="tx1"/>
-                </a:solidFill>
-              </a:rPr>
-              <a:t>Breeding</a:t>
-            </a:r>
-            <a:endParaRPr lang="en-US" sz="1200" b="1" dirty="0">
+            </a:fontRef>
+          </p:style>
+        </p:cxnSp>
+        <p:cxnSp>
+          <p:nvCxnSpPr>
+            <p:cNvPr id="18" name="Straight Arrow Connector 17"/>
+            <p:cNvCxnSpPr>
+              <a:stCxn id="13" idx="3"/>
+              <a:endCxn id="10" idx="2"/>
+            </p:cNvCxnSpPr>
+            <p:nvPr/>
+          </p:nvCxnSpPr>
+          <p:spPr>
+            <a:xfrm>
+              <a:off x="1687420" y="1371384"/>
+              <a:ext cx="1112669" cy="195402"/>
+            </a:xfrm>
+            <a:prstGeom prst="straightConnector1">
+              <a:avLst/>
+            </a:prstGeom>
+            <a:ln w="19050">
               <a:solidFill>
-                <a:schemeClr val="tx1"/>
+                <a:srgbClr val="00B050"/>
               </a:solidFill>
-            </a:endParaRPr>
-          </a:p>
-        </p:txBody>
-      </p:sp>
-      <p:sp>
-        <p:nvSpPr>
-          <p:cNvPr id="11" name="Oval 10"/>
-          <p:cNvSpPr/>
-          <p:nvPr/>
-        </p:nvSpPr>
-        <p:spPr>
-          <a:xfrm>
-            <a:off x="2800089" y="2088236"/>
-            <a:ext cx="1209798" cy="360783"/>
-          </a:xfrm>
-          <a:prstGeom prst="ellipse">
-            <a:avLst/>
-          </a:prstGeom>
-          <a:solidFill>
-            <a:schemeClr val="bg1"/>
-          </a:solidFill>
-          <a:ln>
-            <a:solidFill>
+              <a:tailEnd type="arrow"/>
+            </a:ln>
+          </p:spPr>
+          <p:style>
+            <a:lnRef idx="1">
+              <a:schemeClr val="accent1"/>
+            </a:lnRef>
+            <a:fillRef idx="0">
+              <a:schemeClr val="accent1"/>
+            </a:fillRef>
+            <a:effectRef idx="0">
+              <a:schemeClr val="accent1"/>
+            </a:effectRef>
+            <a:fontRef idx="minor">
               <a:schemeClr val="tx1"/>
-            </a:solidFill>
-          </a:ln>
-        </p:spPr>
-        <p:style>
-          <a:lnRef idx="2">
-            <a:schemeClr val="accent1">
-              <a:shade val="50000"/>
-            </a:schemeClr>
-          </a:lnRef>
-          <a:fillRef idx="1">
-            <a:schemeClr val="accent1"/>
-          </a:fillRef>
-          <a:effectRef idx="0">
-            <a:schemeClr val="accent1"/>
-          </a:effectRef>
-          <a:fontRef idx="minor">
-            <a:schemeClr val="lt1"/>
-          </a:fontRef>
-        </p:style>
-        <p:txBody>
-          <a:bodyPr rtlCol="0" anchor="ctr"/>
-          <a:lstStyle/>
-          <a:p>
-            <a:pPr algn="ctr"/>
-            <a:r>
-              <a:rPr lang="en-US" sz="1200" b="1" dirty="0" smtClean="0">
-                <a:solidFill>
-                  <a:schemeClr val="tx1"/>
-                </a:solidFill>
-              </a:rPr>
-              <a:t>Survival</a:t>
-            </a:r>
-            <a:endParaRPr lang="en-US" sz="1200" b="1" dirty="0">
+            </a:fontRef>
+          </p:style>
+        </p:cxnSp>
+        <p:sp>
+          <p:nvSpPr>
+            <p:cNvPr id="20" name="Rectangle 19"/>
+            <p:cNvSpPr/>
+            <p:nvPr/>
+          </p:nvSpPr>
+          <p:spPr>
+            <a:xfrm>
+              <a:off x="533400" y="2195587"/>
+              <a:ext cx="1088818" cy="294079"/>
+            </a:xfrm>
+            <a:prstGeom prst="rect">
+              <a:avLst/>
+            </a:prstGeom>
+            <a:noFill/>
+            <a:ln>
               <a:solidFill>
-                <a:schemeClr val="tx1"/>
+                <a:srgbClr val="00B050"/>
               </a:solidFill>
-            </a:endParaRPr>
-          </a:p>
-        </p:txBody>
-      </p:sp>
-      <p:sp>
-        <p:nvSpPr>
-          <p:cNvPr id="13" name="Rectangle 12"/>
-          <p:cNvSpPr/>
-          <p:nvPr/>
-        </p:nvSpPr>
-        <p:spPr>
-          <a:xfrm>
-            <a:off x="609600" y="1190992"/>
-            <a:ext cx="1077820" cy="360783"/>
-          </a:xfrm>
-          <a:prstGeom prst="rect">
-            <a:avLst/>
-          </a:prstGeom>
-          <a:noFill/>
-          <a:ln>
-            <a:solidFill>
-              <a:srgbClr val="00B050"/>
-            </a:solidFill>
-          </a:ln>
-        </p:spPr>
-        <p:style>
-          <a:lnRef idx="2">
-            <a:schemeClr val="accent1">
-              <a:shade val="50000"/>
-            </a:schemeClr>
-          </a:lnRef>
-          <a:fillRef idx="1">
-            <a:schemeClr val="accent1"/>
-          </a:fillRef>
-          <a:effectRef idx="0">
-            <a:schemeClr val="accent1"/>
-          </a:effectRef>
-          <a:fontRef idx="minor">
-            <a:schemeClr val="lt1"/>
-          </a:fontRef>
-        </p:style>
-        <p:txBody>
-          <a:bodyPr rtlCol="0" anchor="ctr"/>
-          <a:lstStyle/>
-          <a:p>
-            <a:pPr algn="ctr"/>
-            <a:r>
-              <a:rPr lang="en-US" sz="1200" dirty="0" err="1" smtClean="0">
-                <a:solidFill>
-                  <a:schemeClr val="tx1"/>
-                </a:solidFill>
-              </a:rPr>
-              <a:t>Beachgrass</a:t>
-            </a:r>
-            <a:endParaRPr lang="en-US" sz="1200" dirty="0">
+            </a:ln>
+          </p:spPr>
+          <p:style>
+            <a:lnRef idx="2">
+              <a:schemeClr val="accent1">
+                <a:shade val="50000"/>
+              </a:schemeClr>
+            </a:lnRef>
+            <a:fillRef idx="1">
+              <a:schemeClr val="accent1"/>
+            </a:fillRef>
+            <a:effectRef idx="0">
+              <a:schemeClr val="accent1"/>
+            </a:effectRef>
+            <a:fontRef idx="minor">
+              <a:schemeClr val="lt1"/>
+            </a:fontRef>
+          </p:style>
+          <p:txBody>
+            <a:bodyPr rtlCol="0" anchor="ctr"/>
+            <a:lstStyle/>
+            <a:p>
+              <a:pPr algn="ctr"/>
+              <a:r>
+                <a:rPr lang="en-US" sz="1200" dirty="0">
+                  <a:solidFill>
+                    <a:schemeClr val="tx1"/>
+                  </a:solidFill>
+                </a:rPr>
+                <a:t>Temperature</a:t>
+              </a:r>
+            </a:p>
+          </p:txBody>
+        </p:sp>
+        <p:cxnSp>
+          <p:nvCxnSpPr>
+            <p:cNvPr id="21" name="Straight Arrow Connector 20"/>
+            <p:cNvCxnSpPr>
+              <a:stCxn id="30" idx="3"/>
+              <a:endCxn id="10" idx="3"/>
+            </p:cNvCxnSpPr>
+            <p:nvPr/>
+          </p:nvCxnSpPr>
+          <p:spPr>
+            <a:xfrm flipV="1">
+              <a:off x="2068420" y="1694342"/>
+              <a:ext cx="908840" cy="1360948"/>
+            </a:xfrm>
+            <a:prstGeom prst="straightConnector1">
+              <a:avLst/>
+            </a:prstGeom>
+            <a:ln w="19050">
               <a:solidFill>
-                <a:schemeClr val="tx1"/>
+                <a:srgbClr val="00B050"/>
               </a:solidFill>
-            </a:endParaRPr>
-          </a:p>
-        </p:txBody>
-      </p:sp>
-      <p:cxnSp>
-        <p:nvCxnSpPr>
-          <p:cNvPr id="15" name="Straight Arrow Connector 14"/>
-          <p:cNvCxnSpPr>
-            <a:stCxn id="7" idx="3"/>
-            <a:endCxn id="11" idx="2"/>
-          </p:cNvCxnSpPr>
-          <p:nvPr/>
-        </p:nvCxnSpPr>
-        <p:spPr>
-          <a:xfrm>
-            <a:off x="1833992" y="621522"/>
-            <a:ext cx="966097" cy="1647106"/>
-          </a:xfrm>
-          <a:prstGeom prst="straightConnector1">
-            <a:avLst/>
-          </a:prstGeom>
-          <a:ln w="19050">
-            <a:solidFill>
-              <a:srgbClr val="00B050"/>
-            </a:solidFill>
-            <a:tailEnd type="arrow"/>
-          </a:ln>
-        </p:spPr>
-        <p:style>
-          <a:lnRef idx="1">
-            <a:schemeClr val="accent1"/>
-          </a:lnRef>
-          <a:fillRef idx="0">
-            <a:schemeClr val="accent1"/>
-          </a:fillRef>
-          <a:effectRef idx="0">
-            <a:schemeClr val="accent1"/>
-          </a:effectRef>
-          <a:fontRef idx="minor">
-            <a:schemeClr val="tx1"/>
-          </a:fontRef>
-        </p:style>
-      </p:cxnSp>
-      <p:cxnSp>
-        <p:nvCxnSpPr>
-          <p:cNvPr id="18" name="Straight Arrow Connector 17"/>
-          <p:cNvCxnSpPr>
-            <a:stCxn id="13" idx="3"/>
-            <a:endCxn id="10" idx="2"/>
-          </p:cNvCxnSpPr>
-          <p:nvPr/>
-        </p:nvCxnSpPr>
-        <p:spPr>
-          <a:xfrm>
-            <a:off x="1687420" y="1371384"/>
-            <a:ext cx="1112669" cy="195402"/>
-          </a:xfrm>
-          <a:prstGeom prst="straightConnector1">
-            <a:avLst/>
-          </a:prstGeom>
-          <a:ln w="19050">
-            <a:solidFill>
-              <a:srgbClr val="00B050"/>
-            </a:solidFill>
-            <a:tailEnd type="arrow"/>
-          </a:ln>
-        </p:spPr>
-        <p:style>
-          <a:lnRef idx="1">
-            <a:schemeClr val="accent1"/>
-          </a:lnRef>
-          <a:fillRef idx="0">
-            <a:schemeClr val="accent1"/>
-          </a:fillRef>
-          <a:effectRef idx="0">
-            <a:schemeClr val="accent1"/>
-          </a:effectRef>
-          <a:fontRef idx="minor">
-            <a:schemeClr val="tx1"/>
-          </a:fontRef>
-        </p:style>
-      </p:cxnSp>
-      <p:sp>
-        <p:nvSpPr>
-          <p:cNvPr id="20" name="Rectangle 19"/>
-          <p:cNvSpPr/>
-          <p:nvPr/>
-        </p:nvSpPr>
-        <p:spPr>
-          <a:xfrm>
-            <a:off x="533400" y="2195587"/>
-            <a:ext cx="1088818" cy="294079"/>
-          </a:xfrm>
-          <a:prstGeom prst="rect">
-            <a:avLst/>
-          </a:prstGeom>
-          <a:noFill/>
-          <a:ln>
-            <a:solidFill>
-              <a:srgbClr val="00B050"/>
-            </a:solidFill>
-          </a:ln>
-        </p:spPr>
-        <p:style>
-          <a:lnRef idx="2">
-            <a:schemeClr val="accent1">
-              <a:shade val="50000"/>
-            </a:schemeClr>
-          </a:lnRef>
-          <a:fillRef idx="1">
-            <a:schemeClr val="accent1"/>
-          </a:fillRef>
-          <a:effectRef idx="0">
-            <a:schemeClr val="accent1"/>
-          </a:effectRef>
-          <a:fontRef idx="minor">
-            <a:schemeClr val="lt1"/>
-          </a:fontRef>
-        </p:style>
-        <p:txBody>
-          <a:bodyPr rtlCol="0" anchor="ctr"/>
-          <a:lstStyle/>
-          <a:p>
-            <a:pPr algn="ctr"/>
-            <a:r>
-              <a:rPr lang="en-US" sz="1200" dirty="0" smtClean="0">
-                <a:solidFill>
-                  <a:schemeClr val="tx1"/>
-                </a:solidFill>
-              </a:rPr>
-              <a:t>Temperature</a:t>
-            </a:r>
-            <a:endParaRPr lang="en-US" sz="1200" dirty="0">
+              <a:tailEnd type="arrow"/>
+            </a:ln>
+          </p:spPr>
+          <p:style>
+            <a:lnRef idx="1">
+              <a:schemeClr val="accent1"/>
+            </a:lnRef>
+            <a:fillRef idx="0">
+              <a:schemeClr val="accent1"/>
+            </a:fillRef>
+            <a:effectRef idx="0">
+              <a:schemeClr val="accent1"/>
+            </a:effectRef>
+            <a:fontRef idx="minor">
+              <a:schemeClr val="tx1"/>
+            </a:fontRef>
+          </p:style>
+        </p:cxnSp>
+        <p:cxnSp>
+          <p:nvCxnSpPr>
+            <p:cNvPr id="27" name="Straight Arrow Connector 26"/>
+            <p:cNvCxnSpPr>
+              <a:stCxn id="13" idx="3"/>
+              <a:endCxn id="11" idx="2"/>
+            </p:cNvCxnSpPr>
+            <p:nvPr/>
+          </p:nvCxnSpPr>
+          <p:spPr>
+            <a:xfrm>
+              <a:off x="1687420" y="1371384"/>
+              <a:ext cx="1112669" cy="897244"/>
+            </a:xfrm>
+            <a:prstGeom prst="straightConnector1">
+              <a:avLst/>
+            </a:prstGeom>
+            <a:ln w="19050">
               <a:solidFill>
-                <a:schemeClr val="tx1"/>
+                <a:srgbClr val="00B050"/>
               </a:solidFill>
-            </a:endParaRPr>
-          </a:p>
-        </p:txBody>
-      </p:sp>
-      <p:cxnSp>
-        <p:nvCxnSpPr>
-          <p:cNvPr id="21" name="Straight Arrow Connector 20"/>
-          <p:cNvCxnSpPr>
-            <a:stCxn id="30" idx="3"/>
-            <a:endCxn id="10" idx="3"/>
-          </p:cNvCxnSpPr>
-          <p:nvPr/>
-        </p:nvCxnSpPr>
-        <p:spPr>
-          <a:xfrm flipV="1">
-            <a:off x="2068420" y="1694342"/>
-            <a:ext cx="908840" cy="1360948"/>
-          </a:xfrm>
-          <a:prstGeom prst="straightConnector1">
-            <a:avLst/>
-          </a:prstGeom>
-          <a:ln w="19050">
-            <a:solidFill>
-              <a:srgbClr val="00B050"/>
-            </a:solidFill>
-            <a:tailEnd type="arrow"/>
-          </a:ln>
-        </p:spPr>
-        <p:style>
-          <a:lnRef idx="1">
-            <a:schemeClr val="accent1"/>
-          </a:lnRef>
-          <a:fillRef idx="0">
-            <a:schemeClr val="accent1"/>
-          </a:fillRef>
-          <a:effectRef idx="0">
-            <a:schemeClr val="accent1"/>
-          </a:effectRef>
-          <a:fontRef idx="minor">
-            <a:schemeClr val="tx1"/>
-          </a:fontRef>
-        </p:style>
-      </p:cxnSp>
-      <p:cxnSp>
-        <p:nvCxnSpPr>
-          <p:cNvPr id="27" name="Straight Arrow Connector 26"/>
-          <p:cNvCxnSpPr>
-            <a:stCxn id="13" idx="3"/>
-            <a:endCxn id="11" idx="2"/>
-          </p:cNvCxnSpPr>
-          <p:nvPr/>
-        </p:nvCxnSpPr>
-        <p:spPr>
-          <a:xfrm>
-            <a:off x="1687420" y="1371384"/>
-            <a:ext cx="1112669" cy="897244"/>
-          </a:xfrm>
-          <a:prstGeom prst="straightConnector1">
-            <a:avLst/>
-          </a:prstGeom>
-          <a:ln w="19050">
-            <a:solidFill>
-              <a:srgbClr val="00B050"/>
-            </a:solidFill>
-            <a:tailEnd type="arrow"/>
-          </a:ln>
-        </p:spPr>
-        <p:style>
-          <a:lnRef idx="1">
-            <a:schemeClr val="accent1"/>
-          </a:lnRef>
-          <a:fillRef idx="0">
-            <a:schemeClr val="accent1"/>
-          </a:fillRef>
-          <a:effectRef idx="0">
-            <a:schemeClr val="accent1"/>
-          </a:effectRef>
-          <a:fontRef idx="minor">
-            <a:schemeClr val="tx1"/>
-          </a:fontRef>
-        </p:style>
-      </p:cxnSp>
-      <p:sp>
-        <p:nvSpPr>
-          <p:cNvPr id="30" name="Rectangle 29"/>
-          <p:cNvSpPr/>
-          <p:nvPr/>
-        </p:nvSpPr>
-        <p:spPr>
-          <a:xfrm>
-            <a:off x="990600" y="2844833"/>
-            <a:ext cx="1077820" cy="420913"/>
-          </a:xfrm>
-          <a:prstGeom prst="rect">
-            <a:avLst/>
-          </a:prstGeom>
-          <a:noFill/>
-          <a:ln>
-            <a:solidFill>
-              <a:srgbClr val="00B050"/>
-            </a:solidFill>
-          </a:ln>
-        </p:spPr>
-        <p:style>
-          <a:lnRef idx="2">
-            <a:schemeClr val="accent1">
-              <a:shade val="50000"/>
-            </a:schemeClr>
-          </a:lnRef>
-          <a:fillRef idx="1">
-            <a:schemeClr val="accent1"/>
-          </a:fillRef>
-          <a:effectRef idx="0">
-            <a:schemeClr val="accent1"/>
-          </a:effectRef>
-          <a:fontRef idx="minor">
-            <a:schemeClr val="lt1"/>
-          </a:fontRef>
-        </p:style>
-        <p:txBody>
-          <a:bodyPr rtlCol="0" anchor="ctr"/>
-          <a:lstStyle/>
-          <a:p>
-            <a:pPr algn="ctr"/>
-            <a:r>
-              <a:rPr lang="en-US" sz="1200" dirty="0" smtClean="0">
-                <a:solidFill>
-                  <a:schemeClr val="tx1"/>
-                </a:solidFill>
-              </a:rPr>
-              <a:t>Noise level</a:t>
-            </a:r>
-            <a:endParaRPr lang="en-US" sz="1200" dirty="0">
+              <a:tailEnd type="arrow"/>
+            </a:ln>
+          </p:spPr>
+          <p:style>
+            <a:lnRef idx="1">
+              <a:schemeClr val="accent1"/>
+            </a:lnRef>
+            <a:fillRef idx="0">
+              <a:schemeClr val="accent1"/>
+            </a:fillRef>
+            <a:effectRef idx="0">
+              <a:schemeClr val="accent1"/>
+            </a:effectRef>
+            <a:fontRef idx="minor">
+              <a:schemeClr val="tx1"/>
+            </a:fontRef>
+          </p:style>
+        </p:cxnSp>
+        <p:sp>
+          <p:nvSpPr>
+            <p:cNvPr id="30" name="Rectangle 29"/>
+            <p:cNvSpPr/>
+            <p:nvPr/>
+          </p:nvSpPr>
+          <p:spPr>
+            <a:xfrm>
+              <a:off x="990600" y="2844833"/>
+              <a:ext cx="1077820" cy="420913"/>
+            </a:xfrm>
+            <a:prstGeom prst="rect">
+              <a:avLst/>
+            </a:prstGeom>
+            <a:noFill/>
+            <a:ln>
               <a:solidFill>
-                <a:schemeClr val="tx1"/>
+                <a:srgbClr val="00B050"/>
               </a:solidFill>
-            </a:endParaRPr>
-          </a:p>
-        </p:txBody>
-      </p:sp>
-      <p:cxnSp>
-        <p:nvCxnSpPr>
-          <p:cNvPr id="41" name="Straight Arrow Connector 40"/>
-          <p:cNvCxnSpPr>
-            <a:stCxn id="20" idx="3"/>
-            <a:endCxn id="10" idx="3"/>
-          </p:cNvCxnSpPr>
-          <p:nvPr/>
-        </p:nvCxnSpPr>
-        <p:spPr>
-          <a:xfrm flipV="1">
-            <a:off x="1622218" y="1694342"/>
-            <a:ext cx="1355042" cy="648285"/>
-          </a:xfrm>
-          <a:prstGeom prst="straightConnector1">
-            <a:avLst/>
-          </a:prstGeom>
-          <a:ln w="19050">
-            <a:solidFill>
-              <a:srgbClr val="00B050"/>
-            </a:solidFill>
-            <a:tailEnd type="arrow"/>
-          </a:ln>
-        </p:spPr>
-        <p:style>
-          <a:lnRef idx="1">
-            <a:schemeClr val="accent1"/>
-          </a:lnRef>
-          <a:fillRef idx="0">
-            <a:schemeClr val="accent1"/>
-          </a:fillRef>
-          <a:effectRef idx="0">
-            <a:schemeClr val="accent1"/>
-          </a:effectRef>
-          <a:fontRef idx="minor">
-            <a:schemeClr val="tx1"/>
-          </a:fontRef>
-        </p:style>
-      </p:cxnSp>
-      <p:sp>
-        <p:nvSpPr>
-          <p:cNvPr id="45" name="Rectangle 44"/>
-          <p:cNvSpPr/>
-          <p:nvPr/>
-        </p:nvSpPr>
-        <p:spPr>
-          <a:xfrm>
-            <a:off x="4495800" y="381000"/>
-            <a:ext cx="1129145" cy="420913"/>
-          </a:xfrm>
-          <a:prstGeom prst="rect">
-            <a:avLst/>
-          </a:prstGeom>
-          <a:noFill/>
-          <a:ln>
-            <a:solidFill>
-              <a:schemeClr val="accent2">
-                <a:lumMod val="75000"/>
+            </a:ln>
+          </p:spPr>
+          <p:style>
+            <a:lnRef idx="2">
+              <a:schemeClr val="accent1">
+                <a:shade val="50000"/>
               </a:schemeClr>
-            </a:solidFill>
-          </a:ln>
-        </p:spPr>
-        <p:style>
-          <a:lnRef idx="2">
-            <a:schemeClr val="accent1">
-              <a:shade val="50000"/>
-            </a:schemeClr>
-          </a:lnRef>
-          <a:fillRef idx="1">
-            <a:schemeClr val="accent1"/>
-          </a:fillRef>
-          <a:effectRef idx="0">
-            <a:schemeClr val="accent1"/>
-          </a:effectRef>
-          <a:fontRef idx="minor">
-            <a:schemeClr val="lt1"/>
-          </a:fontRef>
-        </p:style>
-        <p:txBody>
-          <a:bodyPr rtlCol="0" anchor="ctr"/>
-          <a:lstStyle/>
-          <a:p>
-            <a:pPr algn="ctr"/>
-            <a:r>
-              <a:rPr lang="en-US" sz="1200" dirty="0" smtClean="0">
-                <a:solidFill>
-                  <a:schemeClr val="tx1"/>
-                </a:solidFill>
-              </a:rPr>
-              <a:t>Jack’s sparrow</a:t>
-            </a:r>
-            <a:endParaRPr lang="en-US" sz="1200" dirty="0">
+            </a:lnRef>
+            <a:fillRef idx="1">
+              <a:schemeClr val="accent1"/>
+            </a:fillRef>
+            <a:effectRef idx="0">
+              <a:schemeClr val="accent1"/>
+            </a:effectRef>
+            <a:fontRef idx="minor">
+              <a:schemeClr val="lt1"/>
+            </a:fontRef>
+          </p:style>
+          <p:txBody>
+            <a:bodyPr rtlCol="0" anchor="ctr"/>
+            <a:lstStyle/>
+            <a:p>
+              <a:pPr algn="ctr"/>
+              <a:r>
+                <a:rPr lang="en-US" sz="1200" dirty="0">
+                  <a:solidFill>
+                    <a:schemeClr val="tx1"/>
+                  </a:solidFill>
+                </a:rPr>
+                <a:t>Noise level</a:t>
+              </a:r>
+            </a:p>
+          </p:txBody>
+        </p:sp>
+        <p:cxnSp>
+          <p:nvCxnSpPr>
+            <p:cNvPr id="41" name="Straight Arrow Connector 40"/>
+            <p:cNvCxnSpPr>
+              <a:stCxn id="20" idx="3"/>
+              <a:endCxn id="10" idx="3"/>
+            </p:cNvCxnSpPr>
+            <p:nvPr/>
+          </p:nvCxnSpPr>
+          <p:spPr>
+            <a:xfrm flipV="1">
+              <a:off x="1622218" y="1694342"/>
+              <a:ext cx="1355042" cy="648285"/>
+            </a:xfrm>
+            <a:prstGeom prst="straightConnector1">
+              <a:avLst/>
+            </a:prstGeom>
+            <a:ln w="19050">
               <a:solidFill>
-                <a:schemeClr val="tx1"/>
+                <a:srgbClr val="00B050"/>
               </a:solidFill>
-            </a:endParaRPr>
-          </a:p>
-        </p:txBody>
-      </p:sp>
-      <p:cxnSp>
-        <p:nvCxnSpPr>
-          <p:cNvPr id="46" name="Straight Arrow Connector 45"/>
-          <p:cNvCxnSpPr>
-            <a:stCxn id="45" idx="1"/>
-            <a:endCxn id="11" idx="6"/>
-          </p:cNvCxnSpPr>
-          <p:nvPr/>
-        </p:nvCxnSpPr>
-        <p:spPr>
-          <a:xfrm flipH="1">
-            <a:off x="4009887" y="591457"/>
-            <a:ext cx="485913" cy="1677171"/>
-          </a:xfrm>
-          <a:prstGeom prst="straightConnector1">
-            <a:avLst/>
-          </a:prstGeom>
-          <a:ln w="19050">
-            <a:solidFill>
-              <a:schemeClr val="accent2">
-                <a:lumMod val="75000"/>
+              <a:tailEnd type="arrow"/>
+            </a:ln>
+          </p:spPr>
+          <p:style>
+            <a:lnRef idx="1">
+              <a:schemeClr val="accent1"/>
+            </a:lnRef>
+            <a:fillRef idx="0">
+              <a:schemeClr val="accent1"/>
+            </a:fillRef>
+            <a:effectRef idx="0">
+              <a:schemeClr val="accent1"/>
+            </a:effectRef>
+            <a:fontRef idx="minor">
+              <a:schemeClr val="tx1"/>
+            </a:fontRef>
+          </p:style>
+        </p:cxnSp>
+        <p:sp>
+          <p:nvSpPr>
+            <p:cNvPr id="45" name="Rectangle 44"/>
+            <p:cNvSpPr/>
+            <p:nvPr/>
+          </p:nvSpPr>
+          <p:spPr>
+            <a:xfrm>
+              <a:off x="4495800" y="381000"/>
+              <a:ext cx="1129145" cy="420913"/>
+            </a:xfrm>
+            <a:prstGeom prst="rect">
+              <a:avLst/>
+            </a:prstGeom>
+            <a:noFill/>
+            <a:ln>
+              <a:solidFill>
+                <a:schemeClr val="accent2">
+                  <a:lumMod val="75000"/>
+                </a:schemeClr>
+              </a:solidFill>
+            </a:ln>
+          </p:spPr>
+          <p:style>
+            <a:lnRef idx="2">
+              <a:schemeClr val="accent1">
+                <a:shade val="50000"/>
               </a:schemeClr>
-            </a:solidFill>
-            <a:tailEnd type="arrow"/>
-          </a:ln>
-        </p:spPr>
-        <p:style>
-          <a:lnRef idx="1">
-            <a:schemeClr val="accent1"/>
-          </a:lnRef>
-          <a:fillRef idx="0">
-            <a:schemeClr val="accent1"/>
-          </a:fillRef>
-          <a:effectRef idx="0">
-            <a:schemeClr val="accent1"/>
-          </a:effectRef>
-          <a:fontRef idx="minor">
-            <a:schemeClr val="tx1"/>
-          </a:fontRef>
-        </p:style>
-      </p:cxnSp>
-      <p:sp>
-        <p:nvSpPr>
-          <p:cNvPr id="49" name="Rectangle 48"/>
-          <p:cNvSpPr/>
-          <p:nvPr/>
-        </p:nvSpPr>
-        <p:spPr>
-          <a:xfrm>
-            <a:off x="5302826" y="1130862"/>
-            <a:ext cx="1129145" cy="420913"/>
-          </a:xfrm>
-          <a:prstGeom prst="rect">
-            <a:avLst/>
-          </a:prstGeom>
-          <a:noFill/>
-          <a:ln>
-            <a:solidFill>
-              <a:schemeClr val="accent2">
-                <a:lumMod val="75000"/>
+            </a:lnRef>
+            <a:fillRef idx="1">
+              <a:schemeClr val="accent1"/>
+            </a:fillRef>
+            <a:effectRef idx="0">
+              <a:schemeClr val="accent1"/>
+            </a:effectRef>
+            <a:fontRef idx="minor">
+              <a:schemeClr val="lt1"/>
+            </a:fontRef>
+          </p:style>
+          <p:txBody>
+            <a:bodyPr rtlCol="0" anchor="ctr"/>
+            <a:lstStyle/>
+            <a:p>
+              <a:pPr algn="ctr"/>
+              <a:r>
+                <a:rPr lang="en-US" sz="1200" dirty="0">
+                  <a:solidFill>
+                    <a:schemeClr val="tx1"/>
+                  </a:solidFill>
+                </a:rPr>
+                <a:t>Jack’s sparrow</a:t>
+              </a:r>
+            </a:p>
+          </p:txBody>
+        </p:sp>
+        <p:cxnSp>
+          <p:nvCxnSpPr>
+            <p:cNvPr id="46" name="Straight Arrow Connector 45"/>
+            <p:cNvCxnSpPr>
+              <a:stCxn id="45" idx="1"/>
+              <a:endCxn id="11" idx="6"/>
+            </p:cNvCxnSpPr>
+            <p:nvPr/>
+          </p:nvCxnSpPr>
+          <p:spPr>
+            <a:xfrm flipH="1">
+              <a:off x="4009887" y="591457"/>
+              <a:ext cx="485913" cy="1677171"/>
+            </a:xfrm>
+            <a:prstGeom prst="straightConnector1">
+              <a:avLst/>
+            </a:prstGeom>
+            <a:ln w="19050">
+              <a:solidFill>
+                <a:schemeClr val="accent2">
+                  <a:lumMod val="75000"/>
+                </a:schemeClr>
+              </a:solidFill>
+              <a:tailEnd type="arrow"/>
+            </a:ln>
+          </p:spPr>
+          <p:style>
+            <a:lnRef idx="1">
+              <a:schemeClr val="accent1"/>
+            </a:lnRef>
+            <a:fillRef idx="0">
+              <a:schemeClr val="accent1"/>
+            </a:fillRef>
+            <a:effectRef idx="0">
+              <a:schemeClr val="accent1"/>
+            </a:effectRef>
+            <a:fontRef idx="minor">
+              <a:schemeClr val="tx1"/>
+            </a:fontRef>
+          </p:style>
+        </p:cxnSp>
+        <p:sp>
+          <p:nvSpPr>
+            <p:cNvPr id="49" name="Rectangle 48"/>
+            <p:cNvSpPr/>
+            <p:nvPr/>
+          </p:nvSpPr>
+          <p:spPr>
+            <a:xfrm>
+              <a:off x="5302826" y="1130862"/>
+              <a:ext cx="1129145" cy="420913"/>
+            </a:xfrm>
+            <a:prstGeom prst="rect">
+              <a:avLst/>
+            </a:prstGeom>
+            <a:noFill/>
+            <a:ln>
+              <a:solidFill>
+                <a:schemeClr val="accent2">
+                  <a:lumMod val="75000"/>
+                </a:schemeClr>
+              </a:solidFill>
+            </a:ln>
+          </p:spPr>
+          <p:style>
+            <a:lnRef idx="2">
+              <a:schemeClr val="accent1">
+                <a:shade val="50000"/>
               </a:schemeClr>
-            </a:solidFill>
-          </a:ln>
-        </p:spPr>
-        <p:style>
-          <a:lnRef idx="2">
-            <a:schemeClr val="accent1">
-              <a:shade val="50000"/>
-            </a:schemeClr>
-          </a:lnRef>
-          <a:fillRef idx="1">
-            <a:schemeClr val="accent1"/>
-          </a:fillRef>
-          <a:effectRef idx="0">
-            <a:schemeClr val="accent1"/>
-          </a:effectRef>
-          <a:fontRef idx="minor">
-            <a:schemeClr val="lt1"/>
-          </a:fontRef>
-        </p:style>
-        <p:txBody>
-          <a:bodyPr rtlCol="0" anchor="ctr"/>
-          <a:lstStyle/>
-          <a:p>
-            <a:pPr algn="ctr"/>
-            <a:r>
-              <a:rPr lang="en-US" sz="1200" dirty="0" smtClean="0">
-                <a:solidFill>
-                  <a:schemeClr val="tx1"/>
-                </a:solidFill>
-              </a:rPr>
-              <a:t>Pirate rat</a:t>
-            </a:r>
-            <a:endParaRPr lang="en-US" sz="1200" dirty="0">
+            </a:lnRef>
+            <a:fillRef idx="1">
+              <a:schemeClr val="accent1"/>
+            </a:fillRef>
+            <a:effectRef idx="0">
+              <a:schemeClr val="accent1"/>
+            </a:effectRef>
+            <a:fontRef idx="minor">
+              <a:schemeClr val="lt1"/>
+            </a:fontRef>
+          </p:style>
+          <p:txBody>
+            <a:bodyPr rtlCol="0" anchor="ctr"/>
+            <a:lstStyle/>
+            <a:p>
+              <a:pPr algn="ctr"/>
+              <a:r>
+                <a:rPr lang="en-US" sz="1200" dirty="0">
+                  <a:solidFill>
+                    <a:schemeClr val="tx1"/>
+                  </a:solidFill>
+                </a:rPr>
+                <a:t>Pirate rat</a:t>
+              </a:r>
+            </a:p>
+          </p:txBody>
+        </p:sp>
+        <p:cxnSp>
+          <p:nvCxnSpPr>
+            <p:cNvPr id="51" name="Straight Arrow Connector 50"/>
+            <p:cNvCxnSpPr>
+              <a:stCxn id="49" idx="1"/>
+              <a:endCxn id="11" idx="6"/>
+            </p:cNvCxnSpPr>
+            <p:nvPr/>
+          </p:nvCxnSpPr>
+          <p:spPr>
+            <a:xfrm flipH="1">
+              <a:off x="4009887" y="1341319"/>
+              <a:ext cx="1292939" cy="927309"/>
+            </a:xfrm>
+            <a:prstGeom prst="straightConnector1">
+              <a:avLst/>
+            </a:prstGeom>
+            <a:ln w="19050">
               <a:solidFill>
-                <a:schemeClr val="tx1"/>
+                <a:schemeClr val="accent2">
+                  <a:lumMod val="75000"/>
+                </a:schemeClr>
               </a:solidFill>
-            </a:endParaRPr>
-          </a:p>
-        </p:txBody>
-      </p:sp>
-      <p:cxnSp>
-        <p:nvCxnSpPr>
-          <p:cNvPr id="51" name="Straight Arrow Connector 50"/>
-          <p:cNvCxnSpPr>
-            <a:stCxn id="49" idx="1"/>
-            <a:endCxn id="11" idx="6"/>
-          </p:cNvCxnSpPr>
-          <p:nvPr/>
-        </p:nvCxnSpPr>
-        <p:spPr>
-          <a:xfrm flipH="1">
-            <a:off x="4009887" y="1341319"/>
-            <a:ext cx="1292939" cy="927309"/>
-          </a:xfrm>
-          <a:prstGeom prst="straightConnector1">
-            <a:avLst/>
-          </a:prstGeom>
-          <a:ln w="19050">
-            <a:solidFill>
-              <a:schemeClr val="accent2">
-                <a:lumMod val="75000"/>
+              <a:tailEnd type="arrow"/>
+            </a:ln>
+          </p:spPr>
+          <p:style>
+            <a:lnRef idx="1">
+              <a:schemeClr val="accent1"/>
+            </a:lnRef>
+            <a:fillRef idx="0">
+              <a:schemeClr val="accent1"/>
+            </a:fillRef>
+            <a:effectRef idx="0">
+              <a:schemeClr val="accent1"/>
+            </a:effectRef>
+            <a:fontRef idx="minor">
+              <a:schemeClr val="tx1"/>
+            </a:fontRef>
+          </p:style>
+        </p:cxnSp>
+        <p:sp>
+          <p:nvSpPr>
+            <p:cNvPr id="56" name="Rectangle 55"/>
+            <p:cNvSpPr/>
+            <p:nvPr/>
+          </p:nvSpPr>
+          <p:spPr>
+            <a:xfrm>
+              <a:off x="5269875" y="2132170"/>
+              <a:ext cx="1129145" cy="420913"/>
+            </a:xfrm>
+            <a:prstGeom prst="rect">
+              <a:avLst/>
+            </a:prstGeom>
+            <a:noFill/>
+            <a:ln>
+              <a:solidFill>
+                <a:schemeClr val="accent2">
+                  <a:lumMod val="75000"/>
+                </a:schemeClr>
+              </a:solidFill>
+            </a:ln>
+          </p:spPr>
+          <p:style>
+            <a:lnRef idx="2">
+              <a:schemeClr val="accent1">
+                <a:shade val="50000"/>
               </a:schemeClr>
-            </a:solidFill>
-            <a:tailEnd type="arrow"/>
-          </a:ln>
-        </p:spPr>
-        <p:style>
-          <a:lnRef idx="1">
-            <a:schemeClr val="accent1"/>
-          </a:lnRef>
-          <a:fillRef idx="0">
-            <a:schemeClr val="accent1"/>
-          </a:fillRef>
-          <a:effectRef idx="0">
-            <a:schemeClr val="accent1"/>
-          </a:effectRef>
-          <a:fontRef idx="minor">
-            <a:schemeClr val="tx1"/>
-          </a:fontRef>
-        </p:style>
-      </p:cxnSp>
-      <p:sp>
-        <p:nvSpPr>
-          <p:cNvPr id="56" name="Rectangle 55"/>
-          <p:cNvSpPr/>
-          <p:nvPr/>
-        </p:nvSpPr>
-        <p:spPr>
-          <a:xfrm>
-            <a:off x="5269875" y="2132170"/>
-            <a:ext cx="1129145" cy="420913"/>
-          </a:xfrm>
-          <a:prstGeom prst="rect">
-            <a:avLst/>
-          </a:prstGeom>
-          <a:noFill/>
-          <a:ln>
-            <a:solidFill>
-              <a:schemeClr val="accent2">
-                <a:lumMod val="75000"/>
+            </a:lnRef>
+            <a:fillRef idx="1">
+              <a:schemeClr val="accent1"/>
+            </a:fillRef>
+            <a:effectRef idx="0">
+              <a:schemeClr val="accent1"/>
+            </a:effectRef>
+            <a:fontRef idx="minor">
+              <a:schemeClr val="lt1"/>
+            </a:fontRef>
+          </p:style>
+          <p:txBody>
+            <a:bodyPr rtlCol="0" anchor="ctr"/>
+            <a:lstStyle/>
+            <a:p>
+              <a:pPr algn="ctr"/>
+              <a:r>
+                <a:rPr lang="en-US" sz="1200" dirty="0" err="1">
+                  <a:solidFill>
+                    <a:schemeClr val="tx1"/>
+                  </a:solidFill>
+                </a:rPr>
+                <a:t>Darlost’s</a:t>
+              </a:r>
+              <a:r>
+                <a:rPr lang="en-US" sz="1200" dirty="0">
+                  <a:solidFill>
+                    <a:schemeClr val="tx1"/>
+                  </a:solidFill>
+                </a:rPr>
+                <a:t> Fire (disease)</a:t>
+              </a:r>
+            </a:p>
+          </p:txBody>
+        </p:sp>
+        <p:cxnSp>
+          <p:nvCxnSpPr>
+            <p:cNvPr id="65" name="Straight Arrow Connector 64"/>
+            <p:cNvCxnSpPr>
+              <a:stCxn id="56" idx="1"/>
+              <a:endCxn id="11" idx="6"/>
+            </p:cNvCxnSpPr>
+            <p:nvPr/>
+          </p:nvCxnSpPr>
+          <p:spPr>
+            <a:xfrm flipH="1" flipV="1">
+              <a:off x="4009887" y="2268628"/>
+              <a:ext cx="1259988" cy="73999"/>
+            </a:xfrm>
+            <a:prstGeom prst="straightConnector1">
+              <a:avLst/>
+            </a:prstGeom>
+            <a:ln w="19050">
+              <a:solidFill>
+                <a:schemeClr val="accent2">
+                  <a:lumMod val="75000"/>
+                </a:schemeClr>
+              </a:solidFill>
+              <a:tailEnd type="arrow"/>
+            </a:ln>
+          </p:spPr>
+          <p:style>
+            <a:lnRef idx="1">
+              <a:schemeClr val="accent1"/>
+            </a:lnRef>
+            <a:fillRef idx="0">
+              <a:schemeClr val="accent1"/>
+            </a:fillRef>
+            <a:effectRef idx="0">
+              <a:schemeClr val="accent1"/>
+            </a:effectRef>
+            <a:fontRef idx="minor">
+              <a:schemeClr val="tx1"/>
+            </a:fontRef>
+          </p:style>
+        </p:cxnSp>
+        <p:sp>
+          <p:nvSpPr>
+            <p:cNvPr id="68" name="Rectangle 67"/>
+            <p:cNvSpPr/>
+            <p:nvPr/>
+          </p:nvSpPr>
+          <p:spPr>
+            <a:xfrm>
+              <a:off x="4670571" y="2844833"/>
+              <a:ext cx="1129145" cy="420913"/>
+            </a:xfrm>
+            <a:prstGeom prst="rect">
+              <a:avLst/>
+            </a:prstGeom>
+            <a:noFill/>
+            <a:ln>
+              <a:solidFill>
+                <a:schemeClr val="accent2">
+                  <a:lumMod val="75000"/>
+                </a:schemeClr>
+              </a:solidFill>
+            </a:ln>
+          </p:spPr>
+          <p:style>
+            <a:lnRef idx="2">
+              <a:schemeClr val="accent1">
+                <a:shade val="50000"/>
               </a:schemeClr>
-            </a:solidFill>
-          </a:ln>
-        </p:spPr>
-        <p:style>
-          <a:lnRef idx="2">
-            <a:schemeClr val="accent1">
-              <a:shade val="50000"/>
-            </a:schemeClr>
-          </a:lnRef>
-          <a:fillRef idx="1">
-            <a:schemeClr val="accent1"/>
-          </a:fillRef>
-          <a:effectRef idx="0">
-            <a:schemeClr val="accent1"/>
-          </a:effectRef>
-          <a:fontRef idx="minor">
-            <a:schemeClr val="lt1"/>
-          </a:fontRef>
-        </p:style>
-        <p:txBody>
-          <a:bodyPr rtlCol="0" anchor="ctr"/>
-          <a:lstStyle/>
-          <a:p>
-            <a:pPr algn="ctr"/>
-            <a:r>
-              <a:rPr lang="en-US" sz="1200" dirty="0" err="1" smtClean="0">
-                <a:solidFill>
-                  <a:schemeClr val="tx1"/>
-                </a:solidFill>
-              </a:rPr>
-              <a:t>Darlost’s</a:t>
-            </a:r>
-            <a:r>
-              <a:rPr lang="en-US" sz="1200" dirty="0" smtClean="0">
-                <a:solidFill>
-                  <a:schemeClr val="tx1"/>
-                </a:solidFill>
-              </a:rPr>
-              <a:t> Fire (disease)</a:t>
-            </a:r>
-            <a:endParaRPr lang="en-US" sz="1200" dirty="0">
+            </a:lnRef>
+            <a:fillRef idx="1">
+              <a:schemeClr val="accent1"/>
+            </a:fillRef>
+            <a:effectRef idx="0">
+              <a:schemeClr val="accent1"/>
+            </a:effectRef>
+            <a:fontRef idx="minor">
+              <a:schemeClr val="lt1"/>
+            </a:fontRef>
+          </p:style>
+          <p:txBody>
+            <a:bodyPr rtlCol="0" anchor="ctr"/>
+            <a:lstStyle/>
+            <a:p>
+              <a:pPr algn="ctr"/>
+              <a:r>
+                <a:rPr lang="en-US" sz="1200" dirty="0">
+                  <a:solidFill>
+                    <a:schemeClr val="tx1"/>
+                  </a:solidFill>
+                </a:rPr>
+                <a:t>Toxic gas plumes</a:t>
+              </a:r>
+            </a:p>
+          </p:txBody>
+        </p:sp>
+        <p:cxnSp>
+          <p:nvCxnSpPr>
+            <p:cNvPr id="69" name="Straight Arrow Connector 68"/>
+            <p:cNvCxnSpPr>
+              <a:stCxn id="68" idx="1"/>
+              <a:endCxn id="11" idx="5"/>
+            </p:cNvCxnSpPr>
+            <p:nvPr/>
+          </p:nvCxnSpPr>
+          <p:spPr>
+            <a:xfrm flipH="1" flipV="1">
+              <a:off x="3832716" y="2396184"/>
+              <a:ext cx="837855" cy="659106"/>
+            </a:xfrm>
+            <a:prstGeom prst="straightConnector1">
+              <a:avLst/>
+            </a:prstGeom>
+            <a:ln w="19050">
               <a:solidFill>
-                <a:schemeClr val="tx1"/>
+                <a:schemeClr val="accent2">
+                  <a:lumMod val="75000"/>
+                </a:schemeClr>
               </a:solidFill>
-            </a:endParaRPr>
-          </a:p>
-        </p:txBody>
-      </p:sp>
-      <p:cxnSp>
-        <p:nvCxnSpPr>
-          <p:cNvPr id="65" name="Straight Arrow Connector 64"/>
-          <p:cNvCxnSpPr>
-            <a:stCxn id="56" idx="1"/>
-            <a:endCxn id="11" idx="6"/>
-          </p:cNvCxnSpPr>
-          <p:nvPr/>
-        </p:nvCxnSpPr>
-        <p:spPr>
-          <a:xfrm flipH="1" flipV="1">
-            <a:off x="4009887" y="2268628"/>
-            <a:ext cx="1259988" cy="73999"/>
-          </a:xfrm>
-          <a:prstGeom prst="straightConnector1">
-            <a:avLst/>
-          </a:prstGeom>
-          <a:ln w="19050">
-            <a:solidFill>
-              <a:schemeClr val="accent2">
-                <a:lumMod val="75000"/>
-              </a:schemeClr>
-            </a:solidFill>
-            <a:tailEnd type="arrow"/>
-          </a:ln>
-        </p:spPr>
-        <p:style>
-          <a:lnRef idx="1">
-            <a:schemeClr val="accent1"/>
-          </a:lnRef>
-          <a:fillRef idx="0">
-            <a:schemeClr val="accent1"/>
-          </a:fillRef>
-          <a:effectRef idx="0">
-            <a:schemeClr val="accent1"/>
-          </a:effectRef>
-          <a:fontRef idx="minor">
-            <a:schemeClr val="tx1"/>
-          </a:fontRef>
-        </p:style>
-      </p:cxnSp>
-      <p:sp>
-        <p:nvSpPr>
-          <p:cNvPr id="68" name="Rectangle 67"/>
-          <p:cNvSpPr/>
-          <p:nvPr/>
-        </p:nvSpPr>
-        <p:spPr>
-          <a:xfrm>
-            <a:off x="4670571" y="2844833"/>
-            <a:ext cx="1129145" cy="420913"/>
-          </a:xfrm>
-          <a:prstGeom prst="rect">
-            <a:avLst/>
-          </a:prstGeom>
-          <a:noFill/>
-          <a:ln>
-            <a:solidFill>
-              <a:schemeClr val="accent2">
-                <a:lumMod val="75000"/>
-              </a:schemeClr>
-            </a:solidFill>
-          </a:ln>
-        </p:spPr>
-        <p:style>
-          <a:lnRef idx="2">
-            <a:schemeClr val="accent1">
-              <a:shade val="50000"/>
-            </a:schemeClr>
-          </a:lnRef>
-          <a:fillRef idx="1">
-            <a:schemeClr val="accent1"/>
-          </a:fillRef>
-          <a:effectRef idx="0">
-            <a:schemeClr val="accent1"/>
-          </a:effectRef>
-          <a:fontRef idx="minor">
-            <a:schemeClr val="lt1"/>
-          </a:fontRef>
-        </p:style>
-        <p:txBody>
-          <a:bodyPr rtlCol="0" anchor="ctr"/>
-          <a:lstStyle/>
-          <a:p>
-            <a:pPr algn="ctr"/>
-            <a:r>
-              <a:rPr lang="en-US" sz="1200" dirty="0" smtClean="0">
-                <a:solidFill>
-                  <a:schemeClr val="tx1"/>
-                </a:solidFill>
-              </a:rPr>
-              <a:t>Toxic gas plumes</a:t>
-            </a:r>
-            <a:endParaRPr lang="en-US" sz="1200" dirty="0">
-              <a:solidFill>
-                <a:schemeClr val="tx1"/>
-              </a:solidFill>
-            </a:endParaRPr>
-          </a:p>
-        </p:txBody>
-      </p:sp>
-      <p:cxnSp>
-        <p:nvCxnSpPr>
-          <p:cNvPr id="69" name="Straight Arrow Connector 68"/>
-          <p:cNvCxnSpPr>
-            <a:stCxn id="68" idx="1"/>
-            <a:endCxn id="11" idx="5"/>
-          </p:cNvCxnSpPr>
-          <p:nvPr/>
-        </p:nvCxnSpPr>
-        <p:spPr>
-          <a:xfrm flipH="1" flipV="1">
-            <a:off x="3832716" y="2396184"/>
-            <a:ext cx="837855" cy="659106"/>
-          </a:xfrm>
-          <a:prstGeom prst="straightConnector1">
-            <a:avLst/>
-          </a:prstGeom>
-          <a:ln w="19050">
-            <a:solidFill>
-              <a:schemeClr val="accent2">
-                <a:lumMod val="75000"/>
-              </a:schemeClr>
-            </a:solidFill>
-            <a:tailEnd type="arrow"/>
-          </a:ln>
-        </p:spPr>
-        <p:style>
-          <a:lnRef idx="1">
-            <a:schemeClr val="accent1"/>
-          </a:lnRef>
-          <a:fillRef idx="0">
-            <a:schemeClr val="accent1"/>
-          </a:fillRef>
-          <a:effectRef idx="0">
-            <a:schemeClr val="accent1"/>
-          </a:effectRef>
-          <a:fontRef idx="minor">
-            <a:schemeClr val="tx1"/>
-          </a:fontRef>
-        </p:style>
-      </p:cxnSp>
+              <a:tailEnd type="arrow"/>
+            </a:ln>
+          </p:spPr>
+          <p:style>
+            <a:lnRef idx="1">
+              <a:schemeClr val="accent1"/>
+            </a:lnRef>
+            <a:fillRef idx="0">
+              <a:schemeClr val="accent1"/>
+            </a:fillRef>
+            <a:effectRef idx="0">
+              <a:schemeClr val="accent1"/>
+            </a:effectRef>
+            <a:fontRef idx="minor">
+              <a:schemeClr val="tx1"/>
+            </a:fontRef>
+          </p:style>
+        </p:cxnSp>
+      </p:grpSp>
       <p:sp>
         <p:nvSpPr>
           <p:cNvPr id="123" name="Oval 122"/>
@@ -4101,18 +4072,13 @@
           <a:p>
             <a:pPr algn="ctr"/>
             <a:r>
-              <a:rPr lang="en-US" sz="1200" dirty="0" smtClean="0">
+              <a:rPr lang="en-US" sz="1200" dirty="0">
                 <a:solidFill>
                   <a:schemeClr val="tx1"/>
                 </a:solidFill>
               </a:rPr>
               <a:t>Adults</a:t>
             </a:r>
-            <a:endParaRPr lang="en-US" sz="1200" dirty="0">
-              <a:solidFill>
-                <a:schemeClr val="tx1"/>
-              </a:solidFill>
-            </a:endParaRPr>
           </a:p>
         </p:txBody>
       </p:sp>
@@ -4161,18 +4127,13 @@
           <a:p>
             <a:pPr algn="ctr"/>
             <a:r>
-              <a:rPr lang="en-US" sz="1200" dirty="0" smtClean="0">
+              <a:rPr lang="en-US" sz="1200" dirty="0">
                 <a:solidFill>
                   <a:schemeClr val="tx1"/>
                 </a:solidFill>
               </a:rPr>
               <a:t>Young of the Year</a:t>
             </a:r>
-            <a:endParaRPr lang="en-US" sz="1200" dirty="0">
-              <a:solidFill>
-                <a:schemeClr val="tx1"/>
-              </a:solidFill>
-            </a:endParaRPr>
           </a:p>
         </p:txBody>
       </p:sp>
@@ -4353,10 +4314,9 @@
           <a:p>
             <a:pPr algn="l"/>
             <a:r>
-              <a:rPr lang="en-US" sz="1600" dirty="0" smtClean="0"/>
+              <a:rPr lang="en-US" sz="1600" dirty="0"/>
               <a:t>Question 1. What habitat variables are associated with Island Mouse occurrence? </a:t>
             </a:r>
-            <a:endParaRPr lang="en-US" sz="1600" dirty="0"/>
           </a:p>
         </p:txBody>
       </p:sp>
@@ -4459,18 +4419,13 @@
           <a:p>
             <a:pPr algn="ctr"/>
             <a:r>
-              <a:rPr lang="en-US" sz="1200" dirty="0" smtClean="0">
+              <a:rPr lang="en-US" sz="1200" dirty="0">
                 <a:solidFill>
                   <a:schemeClr val="tx1"/>
                 </a:solidFill>
               </a:rPr>
               <a:t>Habitat variables</a:t>
             </a:r>
-            <a:endParaRPr lang="en-US" sz="1200" dirty="0">
-              <a:solidFill>
-                <a:schemeClr val="tx1"/>
-              </a:solidFill>
-            </a:endParaRPr>
           </a:p>
         </p:txBody>
       </p:sp>
@@ -4519,18 +4474,13 @@
           <a:p>
             <a:pPr algn="ctr"/>
             <a:r>
-              <a:rPr lang="en-US" sz="1200" dirty="0" smtClean="0">
+              <a:rPr lang="en-US" sz="1200" dirty="0">
                 <a:solidFill>
                   <a:schemeClr val="tx1"/>
                 </a:solidFill>
               </a:rPr>
               <a:t>Demographic parameters</a:t>
             </a:r>
-            <a:endParaRPr lang="en-US" sz="1200" dirty="0">
-              <a:solidFill>
-                <a:schemeClr val="tx1"/>
-              </a:solidFill>
-            </a:endParaRPr>
           </a:p>
         </p:txBody>
       </p:sp>
@@ -4579,18 +4529,13 @@
           <a:p>
             <a:pPr algn="ctr"/>
             <a:r>
-              <a:rPr lang="en-US" sz="1200" dirty="0" smtClean="0">
+              <a:rPr lang="en-US" sz="1200" dirty="0">
                 <a:solidFill>
                   <a:schemeClr val="tx1"/>
                 </a:solidFill>
               </a:rPr>
               <a:t>Resiliency metrics</a:t>
             </a:r>
-            <a:endParaRPr lang="en-US" sz="1200" dirty="0">
-              <a:solidFill>
-                <a:schemeClr val="tx1"/>
-              </a:solidFill>
-            </a:endParaRPr>
           </a:p>
         </p:txBody>
       </p:sp>
@@ -4637,18 +4582,13 @@
           <a:p>
             <a:pPr algn="ctr"/>
             <a:r>
-              <a:rPr lang="en-US" sz="1200" dirty="0" smtClean="0">
+              <a:rPr lang="en-US" sz="1200" dirty="0">
                 <a:solidFill>
                   <a:schemeClr val="tx1"/>
                 </a:solidFill>
               </a:rPr>
               <a:t>Dune beetles</a:t>
             </a:r>
-            <a:endParaRPr lang="en-US" sz="1200" dirty="0">
-              <a:solidFill>
-                <a:schemeClr val="tx1"/>
-              </a:solidFill>
-            </a:endParaRPr>
           </a:p>
         </p:txBody>
       </p:sp>
@@ -4697,18 +4637,13 @@
           <a:p>
             <a:pPr algn="ctr"/>
             <a:r>
-              <a:rPr lang="en-US" sz="1200" dirty="0" smtClean="0">
+              <a:rPr lang="en-US" sz="1200" dirty="0">
                 <a:solidFill>
                   <a:schemeClr val="tx1"/>
                 </a:solidFill>
               </a:rPr>
               <a:t>Annual survival probability</a:t>
             </a:r>
-            <a:endParaRPr lang="en-US" sz="1200" dirty="0">
-              <a:solidFill>
-                <a:schemeClr val="tx1"/>
-              </a:solidFill>
-            </a:endParaRPr>
           </a:p>
         </p:txBody>
       </p:sp>
@@ -4757,18 +4692,13 @@
           <a:p>
             <a:pPr algn="ctr"/>
             <a:r>
-              <a:rPr lang="en-US" sz="1200" dirty="0" smtClean="0">
+              <a:rPr lang="en-US" sz="1200" dirty="0">
                 <a:solidFill>
                   <a:schemeClr val="tx1"/>
                 </a:solidFill>
               </a:rPr>
               <a:t>Annual survival probability</a:t>
             </a:r>
-            <a:endParaRPr lang="en-US" sz="1200" dirty="0">
-              <a:solidFill>
-                <a:schemeClr val="tx1"/>
-              </a:solidFill>
-            </a:endParaRPr>
           </a:p>
         </p:txBody>
       </p:sp>
